--- a/07_ArvoresDecisao_e_FlorestasAleatorias_GradientBoostingClassifier_XGBoost/7.1_arvores_decisao.pptx
+++ b/07_ArvoresDecisao_e_FlorestasAleatorias_GradientBoostingClassifier_XGBoost/7.1_arvores_decisao.pptx
@@ -228,7 +228,7 @@
           <a:p>
             <a:fld id="{9A0073A4-8560-41D3-9231-DA851D9F50F3}" type="datetimeFigureOut">
               <a:rPr lang="pt-BR" smtClean="0"/>
-              <a:t>26/07/2021</a:t>
+              <a:t>30/07/2021</a:t>
             </a:fld>
             <a:endParaRPr lang="pt-BR"/>
           </a:p>
@@ -1304,7 +1304,7 @@
           <a:p>
             <a:fld id="{8CC1643A-035F-42E2-AB97-2D434B388344}" type="datetimeFigureOut">
               <a:rPr lang="pt-BR" smtClean="0"/>
-              <a:t>26/07/2021</a:t>
+              <a:t>30/07/2021</a:t>
             </a:fld>
             <a:endParaRPr lang="pt-BR"/>
           </a:p>
@@ -1472,7 +1472,7 @@
           <a:p>
             <a:fld id="{8CC1643A-035F-42E2-AB97-2D434B388344}" type="datetimeFigureOut">
               <a:rPr lang="pt-BR" smtClean="0"/>
-              <a:t>26/07/2021</a:t>
+              <a:t>30/07/2021</a:t>
             </a:fld>
             <a:endParaRPr lang="pt-BR"/>
           </a:p>
@@ -1650,7 +1650,7 @@
           <a:p>
             <a:fld id="{8CC1643A-035F-42E2-AB97-2D434B388344}" type="datetimeFigureOut">
               <a:rPr lang="pt-BR" smtClean="0"/>
-              <a:t>26/07/2021</a:t>
+              <a:t>30/07/2021</a:t>
             </a:fld>
             <a:endParaRPr lang="pt-BR"/>
           </a:p>
@@ -1818,7 +1818,7 @@
           <a:p>
             <a:fld id="{8CC1643A-035F-42E2-AB97-2D434B388344}" type="datetimeFigureOut">
               <a:rPr lang="pt-BR" smtClean="0"/>
-              <a:t>26/07/2021</a:t>
+              <a:t>30/07/2021</a:t>
             </a:fld>
             <a:endParaRPr lang="pt-BR"/>
           </a:p>
@@ -2063,7 +2063,7 @@
           <a:p>
             <a:fld id="{8CC1643A-035F-42E2-AB97-2D434B388344}" type="datetimeFigureOut">
               <a:rPr lang="pt-BR" smtClean="0"/>
-              <a:t>26/07/2021</a:t>
+              <a:t>30/07/2021</a:t>
             </a:fld>
             <a:endParaRPr lang="pt-BR"/>
           </a:p>
@@ -2292,7 +2292,7 @@
           <a:p>
             <a:fld id="{8CC1643A-035F-42E2-AB97-2D434B388344}" type="datetimeFigureOut">
               <a:rPr lang="pt-BR" smtClean="0"/>
-              <a:t>26/07/2021</a:t>
+              <a:t>30/07/2021</a:t>
             </a:fld>
             <a:endParaRPr lang="pt-BR"/>
           </a:p>
@@ -2656,7 +2656,7 @@
           <a:p>
             <a:fld id="{8CC1643A-035F-42E2-AB97-2D434B388344}" type="datetimeFigureOut">
               <a:rPr lang="pt-BR" smtClean="0"/>
-              <a:t>26/07/2021</a:t>
+              <a:t>30/07/2021</a:t>
             </a:fld>
             <a:endParaRPr lang="pt-BR"/>
           </a:p>
@@ -2773,7 +2773,7 @@
           <a:p>
             <a:fld id="{8CC1643A-035F-42E2-AB97-2D434B388344}" type="datetimeFigureOut">
               <a:rPr lang="pt-BR" smtClean="0"/>
-              <a:t>26/07/2021</a:t>
+              <a:t>30/07/2021</a:t>
             </a:fld>
             <a:endParaRPr lang="pt-BR"/>
           </a:p>
@@ -2868,7 +2868,7 @@
           <a:p>
             <a:fld id="{8CC1643A-035F-42E2-AB97-2D434B388344}" type="datetimeFigureOut">
               <a:rPr lang="pt-BR" smtClean="0"/>
-              <a:t>26/07/2021</a:t>
+              <a:t>30/07/2021</a:t>
             </a:fld>
             <a:endParaRPr lang="pt-BR"/>
           </a:p>
@@ -3143,7 +3143,7 @@
           <a:p>
             <a:fld id="{8CC1643A-035F-42E2-AB97-2D434B388344}" type="datetimeFigureOut">
               <a:rPr lang="pt-BR" smtClean="0"/>
-              <a:t>26/07/2021</a:t>
+              <a:t>30/07/2021</a:t>
             </a:fld>
             <a:endParaRPr lang="pt-BR"/>
           </a:p>
@@ -3395,7 +3395,7 @@
           <a:p>
             <a:fld id="{8CC1643A-035F-42E2-AB97-2D434B388344}" type="datetimeFigureOut">
               <a:rPr lang="pt-BR" smtClean="0"/>
-              <a:t>26/07/2021</a:t>
+              <a:t>30/07/2021</a:t>
             </a:fld>
             <a:endParaRPr lang="pt-BR"/>
           </a:p>
@@ -3606,7 +3606,7 @@
           <a:p>
             <a:fld id="{8CC1643A-035F-42E2-AB97-2D434B388344}" type="datetimeFigureOut">
               <a:rPr lang="pt-BR" smtClean="0"/>
-              <a:t>26/07/2021</a:t>
+              <a:t>30/07/2021</a:t>
             </a:fld>
             <a:endParaRPr lang="pt-BR"/>
           </a:p>
@@ -7515,25 +7515,6 @@
               <a:rPr lang="pt-BR" dirty="0"/>
               <a:t>Tendência</a:t>
             </a:r>
-          </a:p>
-        </p:txBody>
-      </p:sp>
-      <p:sp>
-        <p:nvSpPr>
-          <p:cNvPr id="3" name="Espaço Reservado para Conteúdo 2"/>
-          <p:cNvSpPr>
-            <a:spLocks noGrp="1"/>
-          </p:cNvSpPr>
-          <p:nvPr>
-            <p:ph idx="1"/>
-          </p:nvPr>
-        </p:nvSpPr>
-        <p:spPr/>
-        <p:txBody>
-          <a:bodyPr/>
-          <a:lstStyle/>
-          <a:p>
-            <a:endParaRPr lang="pt-BR" dirty="0"/>
           </a:p>
         </p:txBody>
       </p:sp>
